--- a/PRESENTATIONS/2021-10-online-f2f/2021-10-11-WoT-OpenDay-McCool.pptx
+++ b/PRESENTATIONS/2021-10-online-f2f/2021-10-11-WoT-OpenDay-McCool.pptx
@@ -5,14 +5,15 @@
     <p:sldMasterId id="2147483648" r:id="rId1"/>
   </p:sldMasterIdLst>
   <p:notesMasterIdLst>
-    <p:notesMasterId r:id="rId7"/>
+    <p:notesMasterId r:id="rId8"/>
   </p:notesMasterIdLst>
   <p:sldIdLst>
     <p:sldId id="256" r:id="rId2"/>
     <p:sldId id="257" r:id="rId3"/>
     <p:sldId id="259" r:id="rId4"/>
     <p:sldId id="260" r:id="rId5"/>
-    <p:sldId id="258" r:id="rId6"/>
+    <p:sldId id="261" r:id="rId6"/>
+    <p:sldId id="258" r:id="rId7"/>
   </p:sldIdLst>
   <p:sldSz cx="12192000" cy="6858000"/>
   <p:notesSz cx="6858000" cy="9144000"/>
@@ -212,7 +213,7 @@
           <a:p>
             <a:fld id="{8389B5DD-0274-BF45-B4C5-62E173E8F634}" type="datetimeFigureOut">
               <a:rPr lang="en-US" smtClean="0"/>
-              <a:t>10/11/21</a:t>
+              <a:t>10/14/21</a:t>
             </a:fld>
             <a:endParaRPr lang="en-US"/>
           </a:p>
@@ -828,7 +829,7 @@
           <a:p>
             <a:fld id="{2F93E591-CC8D-C74E-8EED-098A7FB5E64D}" type="datetime1">
               <a:rPr lang="en-CA" smtClean="0"/>
-              <a:t>2021-10-11</a:t>
+              <a:t>2021-10-14</a:t>
             </a:fld>
             <a:endParaRPr lang="en-US"/>
           </a:p>
@@ -1096,7 +1097,7 @@
           <a:p>
             <a:fld id="{2E1BC118-574D-594E-ABEA-A7C82666C9AB}" type="datetime1">
               <a:rPr lang="en-CA" smtClean="0"/>
-              <a:t>2021-10-11</a:t>
+              <a:t>2021-10-14</a:t>
             </a:fld>
             <a:endParaRPr lang="en-US"/>
           </a:p>
@@ -1462,7 +1463,7 @@
           <a:p>
             <a:fld id="{B929AB1E-7FD9-0A40-B7C0-508CCACB3E9A}" type="datetime1">
               <a:rPr lang="en-CA" smtClean="0"/>
-              <a:t>2021-10-11</a:t>
+              <a:t>2021-10-14</a:t>
             </a:fld>
             <a:endParaRPr lang="en-US"/>
           </a:p>
@@ -1694,7 +1695,7 @@
           <a:p>
             <a:fld id="{5AE8723F-57EA-4C47-97B9-92AFDEEF85DC}" type="datetime1">
               <a:rPr lang="en-CA" smtClean="0"/>
-              <a:t>2021-10-11</a:t>
+              <a:t>2021-10-14</a:t>
             </a:fld>
             <a:endParaRPr lang="en-US"/>
           </a:p>
@@ -2024,7 +2025,7 @@
           <a:p>
             <a:fld id="{B2B00E5D-EC04-AA49-8D52-0FCB6E08F63D}" type="datetime1">
               <a:rPr lang="en-CA" smtClean="0"/>
-              <a:t>2021-10-11</a:t>
+              <a:t>2021-10-14</a:t>
             </a:fld>
             <a:endParaRPr lang="en-US"/>
           </a:p>
@@ -2497,7 +2498,7 @@
           <a:p>
             <a:fld id="{FF90905C-10FF-8047-AA7E-6DC7E8B6AF51}" type="datetime1">
               <a:rPr lang="en-CA" smtClean="0"/>
-              <a:t>2021-10-11</a:t>
+              <a:t>2021-10-14</a:t>
             </a:fld>
             <a:endParaRPr lang="en-US"/>
           </a:p>
@@ -2703,7 +2704,7 @@
           <a:p>
             <a:fld id="{D1CE86E2-4400-D342-BEEC-F9C1ADF6F9F7}" type="datetime1">
               <a:rPr lang="en-CA" smtClean="0"/>
-              <a:t>2021-10-11</a:t>
+              <a:t>2021-10-14</a:t>
             </a:fld>
             <a:endParaRPr lang="en-US"/>
           </a:p>
@@ -2873,7 +2874,7 @@
           <a:p>
             <a:fld id="{74358A08-7221-7F45-8378-69D5559861DD}" type="datetime1">
               <a:rPr lang="en-CA" smtClean="0"/>
-              <a:t>2021-10-11</a:t>
+              <a:t>2021-10-14</a:t>
             </a:fld>
             <a:endParaRPr lang="en-US"/>
           </a:p>
@@ -3245,7 +3246,7 @@
           <a:p>
             <a:fld id="{08C20FDB-303D-8A4E-83B7-226DD88B97BD}" type="datetime1">
               <a:rPr lang="en-CA" smtClean="0"/>
-              <a:t>2021-10-11</a:t>
+              <a:t>2021-10-14</a:t>
             </a:fld>
             <a:endParaRPr lang="en-US"/>
           </a:p>
@@ -3597,7 +3598,7 @@
           <a:p>
             <a:fld id="{0A9EBA37-9D18-D34A-A88D-1B00AA06E95C}" type="datetime1">
               <a:rPr lang="en-CA" smtClean="0"/>
-              <a:t>2021-10-11</a:t>
+              <a:t>2021-10-14</a:t>
             </a:fld>
             <a:endParaRPr lang="en-US"/>
           </a:p>
@@ -3937,7 +3938,7 @@
             <a:fld id="{B73A2E78-F38A-E046-ACDB-668F070D1EF6}" type="datetime1">
               <a:rPr lang="en-CA" smtClean="0"/>
               <a:pPr/>
-              <a:t>2021-10-11</a:t>
+              <a:t>2021-10-14</a:t>
             </a:fld>
             <a:endParaRPr lang="en-US" dirty="0"/>
           </a:p>
@@ -4561,7 +4562,27 @@
                   </a:schemeClr>
                 </a:solidFill>
               </a:rPr>
-              <a:t>WG/IG: Wednesday Oct 14 (2h55m)</a:t>
+              <a:t>WG/IG</a:t>
+            </a:r>
+            <a:r>
+              <a:rPr lang="en-CA">
+                <a:solidFill>
+                  <a:schemeClr val="bg2">
+                    <a:lumMod val="90000"/>
+                  </a:schemeClr>
+                </a:solidFill>
+              </a:rPr>
+              <a:t>: Thursday </a:t>
+            </a:r>
+            <a:r>
+              <a:rPr lang="en-CA" dirty="0">
+                <a:solidFill>
+                  <a:schemeClr val="bg2">
+                    <a:lumMod val="90000"/>
+                  </a:schemeClr>
+                </a:solidFill>
+              </a:rPr>
+              <a:t>Oct 14 (2h55m)</a:t>
             </a:r>
           </a:p>
           <a:p>
@@ -4613,7 +4634,7 @@
           <a:p>
             <a:fld id="{BF92DA42-2970-1B4D-9C1F-77F249CD7467}" type="datetime1">
               <a:rPr lang="en-CA" smtClean="0"/>
-              <a:t>2021-10-11</a:t>
+              <a:t>2021-10-14</a:t>
             </a:fld>
             <a:endParaRPr lang="en-US" dirty="0"/>
           </a:p>
@@ -5175,19 +5196,19 @@
             </a:r>
             <a:r>
               <a:rPr lang="de-DE" dirty="0"/>
-              <a:t>: 20min</a:t>
+              <a:t>: 25min</a:t>
             </a:r>
           </a:p>
           <a:p>
             <a:r>
               <a:rPr lang="en-CA" b="1" dirty="0"/>
-              <a:t>0h55m - Break (10m)</a:t>
+              <a:t>1h00m - Break (10m)</a:t>
             </a:r>
           </a:p>
           <a:p>
             <a:r>
               <a:rPr lang="en-CA" b="1" dirty="0"/>
-              <a:t>1h05m – </a:t>
+              <a:t>1h10m – </a:t>
             </a:r>
             <a:r>
               <a:rPr lang="en-CA" b="1" dirty="0" err="1"/>
@@ -5228,7 +5249,7 @@
           <a:p>
             <a:r>
               <a:rPr lang="en-CA" b="1" dirty="0"/>
-              <a:t>2h45m - </a:t>
+              <a:t>2h50m - </a:t>
             </a:r>
             <a:r>
               <a:rPr lang="en-CA" b="1" dirty="0" err="1"/>
@@ -5324,7 +5345,7 @@
           <a:p>
             <a:fld id="{B929AB1E-7FD9-0A40-B7C0-508CCACB3E9A}" type="datetime1">
               <a:rPr lang="en-CA" smtClean="0"/>
-              <a:t>2021-10-11</a:t>
+              <a:t>2021-10-14</a:t>
             </a:fld>
             <a:endParaRPr lang="en-US"/>
           </a:p>
@@ -5573,7 +5594,7 @@
           <a:p>
             <a:fld id="{B929AB1E-7FD9-0A40-B7C0-508CCACB3E9A}" type="datetime1">
               <a:rPr lang="en-CA" smtClean="0"/>
-              <a:t>2021-10-11</a:t>
+              <a:t>2021-10-14</a:t>
             </a:fld>
             <a:endParaRPr lang="en-US"/>
           </a:p>
@@ -5614,6 +5635,288 @@
           <p:cNvPr id="2" name="Title 1">
             <a:extLst>
               <a:ext uri="{FF2B5EF4-FFF2-40B4-BE49-F238E27FC236}">
+                <a16:creationId xmlns:a16="http://schemas.microsoft.com/office/drawing/2014/main" id="{F54396D6-BEA1-9742-B0E9-A53137E57DC3}"/>
+              </a:ext>
+            </a:extLst>
+          </p:cNvPr>
+          <p:cNvSpPr>
+            <a:spLocks noGrp="1"/>
+          </p:cNvSpPr>
+          <p:nvPr>
+            <p:ph type="title"/>
+          </p:nvPr>
+        </p:nvSpPr>
+        <p:spPr/>
+        <p:txBody>
+          <a:bodyPr/>
+          <a:lstStyle/>
+          <a:p>
+            <a:r>
+              <a:rPr lang="en-US" dirty="0" err="1"/>
+              <a:t>Plugfest</a:t>
+            </a:r>
+            <a:r>
+              <a:rPr lang="en-US" dirty="0"/>
+              <a:t> Projects</a:t>
+            </a:r>
+          </a:p>
+        </p:txBody>
+      </p:sp>
+      <p:sp>
+        <p:nvSpPr>
+          <p:cNvPr id="3" name="Content Placeholder 2">
+            <a:extLst>
+              <a:ext uri="{FF2B5EF4-FFF2-40B4-BE49-F238E27FC236}">
+                <a16:creationId xmlns:a16="http://schemas.microsoft.com/office/drawing/2014/main" id="{5A9F1B47-33A3-994F-88DA-7BD1D418FE73}"/>
+              </a:ext>
+            </a:extLst>
+          </p:cNvPr>
+          <p:cNvSpPr>
+            <a:spLocks noGrp="1"/>
+          </p:cNvSpPr>
+          <p:nvPr>
+            <p:ph idx="1"/>
+          </p:nvPr>
+        </p:nvSpPr>
+        <p:spPr/>
+        <p:txBody>
+          <a:bodyPr/>
+          <a:lstStyle/>
+          <a:p>
+            <a:pPr marL="0" indent="0">
+              <a:buNone/>
+            </a:pPr>
+            <a:r>
+              <a:rPr lang="en-US" dirty="0"/>
+              <a:t>See </a:t>
+            </a:r>
+            <a:r>
+              <a:rPr lang="en-US" dirty="0">
+                <a:hlinkClick r:id="rId2"/>
+              </a:rPr>
+              <a:t>wot-testing issue tracker</a:t>
+            </a:r>
+            <a:r>
+              <a:rPr lang="en-US" dirty="0"/>
+              <a:t> for details of the following, and some additional projects:</a:t>
+            </a:r>
+          </a:p>
+          <a:p>
+            <a:r>
+              <a:rPr lang="en-US" dirty="0"/>
+              <a:t>Intel: </a:t>
+            </a:r>
+            <a:r>
+              <a:rPr lang="en-US" dirty="0">
+                <a:hlinkClick r:id="rId3"/>
+              </a:rPr>
+              <a:t>Geolocation</a:t>
+            </a:r>
+            <a:endParaRPr lang="en-US" dirty="0"/>
+          </a:p>
+          <a:p>
+            <a:r>
+              <a:rPr lang="en-US" dirty="0"/>
+              <a:t>Siemens: </a:t>
+            </a:r>
+            <a:r>
+              <a:rPr lang="en-US" dirty="0">
+                <a:hlinkClick r:id="rId4"/>
+              </a:rPr>
+              <a:t>Logilab TDD</a:t>
+            </a:r>
+            <a:endParaRPr lang="en-US" dirty="0"/>
+          </a:p>
+          <a:p>
+            <a:r>
+              <a:rPr lang="en-US" dirty="0"/>
+              <a:t>Siemens: </a:t>
+            </a:r>
+            <a:r>
+              <a:rPr lang="en-US" dirty="0">
+                <a:hlinkClick r:id="rId5"/>
+              </a:rPr>
+              <a:t>TM Composition</a:t>
+            </a:r>
+            <a:endParaRPr lang="en-US" dirty="0"/>
+          </a:p>
+          <a:p>
+            <a:r>
+              <a:rPr lang="en-US" dirty="0"/>
+              <a:t>NHK: WoT Device Emulator </a:t>
+            </a:r>
+          </a:p>
+          <a:p>
+            <a:r>
+              <a:rPr lang="en-US" dirty="0"/>
+              <a:t>TUM: </a:t>
+            </a:r>
+            <a:r>
+              <a:rPr lang="en-US" dirty="0">
+                <a:hlinkClick r:id="rId6"/>
+              </a:rPr>
+              <a:t>Testbench</a:t>
+            </a:r>
+            <a:endParaRPr lang="en-US" dirty="0"/>
+          </a:p>
+          <a:p>
+            <a:r>
+              <a:rPr lang="en-US" dirty="0"/>
+              <a:t>Hitachi: </a:t>
+            </a:r>
+            <a:r>
+              <a:rPr lang="en-US" dirty="0">
+                <a:hlinkClick r:id="rId7"/>
+              </a:rPr>
+              <a:t>Node-RED and SPARQL</a:t>
+            </a:r>
+            <a:endParaRPr lang="en-US" dirty="0"/>
+          </a:p>
+          <a:p>
+            <a:r>
+              <a:rPr lang="en-US" dirty="0"/>
+              <a:t>Bologna: </a:t>
+            </a:r>
+            <a:r>
+              <a:rPr lang="en-US" dirty="0">
+                <a:hlinkClick r:id="rId8"/>
+              </a:rPr>
+              <a:t>Action Models</a:t>
+            </a:r>
+            <a:endParaRPr lang="en-US" dirty="0"/>
+          </a:p>
+          <a:p>
+            <a:pPr marL="0" indent="0">
+              <a:buNone/>
+            </a:pPr>
+            <a:r>
+              <a:rPr lang="en-US" dirty="0"/>
+              <a:t>Deferred: ECHONET</a:t>
+            </a:r>
+          </a:p>
+        </p:txBody>
+      </p:sp>
+      <p:sp>
+        <p:nvSpPr>
+          <p:cNvPr id="4" name="Footer Placeholder 3">
+            <a:extLst>
+              <a:ext uri="{FF2B5EF4-FFF2-40B4-BE49-F238E27FC236}">
+                <a16:creationId xmlns:a16="http://schemas.microsoft.com/office/drawing/2014/main" id="{43D42CEE-F6AE-3F40-A5BA-A383482E632D}"/>
+              </a:ext>
+            </a:extLst>
+          </p:cNvPr>
+          <p:cNvSpPr>
+            <a:spLocks noGrp="1"/>
+          </p:cNvSpPr>
+          <p:nvPr>
+            <p:ph type="ftr" sz="quarter" idx="11"/>
+          </p:nvPr>
+        </p:nvSpPr>
+        <p:spPr/>
+        <p:txBody>
+          <a:bodyPr/>
+          <a:lstStyle/>
+          <a:p>
+            <a:r>
+              <a:rPr lang="en-US"/>
+              <a:t>W3C Web of Things (WoT) WG/IG</a:t>
+            </a:r>
+          </a:p>
+        </p:txBody>
+      </p:sp>
+      <p:sp>
+        <p:nvSpPr>
+          <p:cNvPr id="5" name="Slide Number Placeholder 4">
+            <a:extLst>
+              <a:ext uri="{FF2B5EF4-FFF2-40B4-BE49-F238E27FC236}">
+                <a16:creationId xmlns:a16="http://schemas.microsoft.com/office/drawing/2014/main" id="{64561D6C-536D-1E43-BEA5-4FCB0059B443}"/>
+              </a:ext>
+            </a:extLst>
+          </p:cNvPr>
+          <p:cNvSpPr>
+            <a:spLocks noGrp="1"/>
+          </p:cNvSpPr>
+          <p:nvPr>
+            <p:ph type="sldNum" sz="quarter" idx="12"/>
+          </p:nvPr>
+        </p:nvSpPr>
+        <p:spPr/>
+        <p:txBody>
+          <a:bodyPr/>
+          <a:lstStyle/>
+          <a:p>
+            <a:fld id="{055BDE2E-7167-1944-9FEE-E44668D91CB6}" type="slidenum">
+              <a:rPr lang="en-US" smtClean="0"/>
+              <a:t>5</a:t>
+            </a:fld>
+            <a:endParaRPr lang="en-US"/>
+          </a:p>
+        </p:txBody>
+      </p:sp>
+      <p:sp>
+        <p:nvSpPr>
+          <p:cNvPr id="6" name="Date Placeholder 5">
+            <a:extLst>
+              <a:ext uri="{FF2B5EF4-FFF2-40B4-BE49-F238E27FC236}">
+                <a16:creationId xmlns:a16="http://schemas.microsoft.com/office/drawing/2014/main" id="{E0A32715-00E9-A346-966B-A963AEDFF3D6}"/>
+              </a:ext>
+            </a:extLst>
+          </p:cNvPr>
+          <p:cNvSpPr>
+            <a:spLocks noGrp="1"/>
+          </p:cNvSpPr>
+          <p:nvPr>
+            <p:ph type="dt" sz="half" idx="10"/>
+          </p:nvPr>
+        </p:nvSpPr>
+        <p:spPr/>
+        <p:txBody>
+          <a:bodyPr/>
+          <a:lstStyle/>
+          <a:p>
+            <a:fld id="{B929AB1E-7FD9-0A40-B7C0-508CCACB3E9A}" type="datetime1">
+              <a:rPr lang="en-CA" smtClean="0"/>
+              <a:t>2021-10-14</a:t>
+            </a:fld>
+            <a:endParaRPr lang="en-US"/>
+          </a:p>
+        </p:txBody>
+      </p:sp>
+    </p:spTree>
+    <p:extLst>
+      <p:ext uri="{BB962C8B-B14F-4D97-AF65-F5344CB8AC3E}">
+        <p14:creationId xmlns:p14="http://schemas.microsoft.com/office/powerpoint/2010/main" val="3557055257"/>
+      </p:ext>
+    </p:extLst>
+  </p:cSld>
+  <p:clrMapOvr>
+    <a:masterClrMapping/>
+  </p:clrMapOvr>
+</p:sld>
+</file>
+
+<file path=ppt/slides/slide6.xml><?xml version="1.0" encoding="utf-8"?>
+<p:sld xmlns:a="http://schemas.openxmlformats.org/drawingml/2006/main" xmlns:r="http://schemas.openxmlformats.org/officeDocument/2006/relationships" xmlns:p="http://schemas.openxmlformats.org/presentationml/2006/main">
+  <p:cSld>
+    <p:spTree>
+      <p:nvGrpSpPr>
+        <p:cNvPr id="1" name=""/>
+        <p:cNvGrpSpPr/>
+        <p:nvPr/>
+      </p:nvGrpSpPr>
+      <p:grpSpPr>
+        <a:xfrm>
+          <a:off x="0" y="0"/>
+          <a:ext cx="0" cy="0"/>
+          <a:chOff x="0" y="0"/>
+          <a:chExt cx="0" cy="0"/>
+        </a:xfrm>
+      </p:grpSpPr>
+      <p:sp>
+        <p:nvSpPr>
+          <p:cNvPr id="2" name="Title 1">
+            <a:extLst>
+              <a:ext uri="{FF2B5EF4-FFF2-40B4-BE49-F238E27FC236}">
                 <a16:creationId xmlns:a16="http://schemas.microsoft.com/office/drawing/2014/main" id="{85BC194C-11B4-DF4D-BD5B-07A74B9C6240}"/>
               </a:ext>
             </a:extLst>
@@ -5779,7 +6082,7 @@
           <a:p>
             <a:fld id="{BF92DA42-2970-1B4D-9C1F-77F249CD7467}" type="datetime1">
               <a:rPr lang="en-CA" smtClean="0"/>
-              <a:t>2021-10-11</a:t>
+              <a:t>2021-10-14</a:t>
             </a:fld>
             <a:endParaRPr lang="en-US" dirty="0"/>
           </a:p>
@@ -5836,7 +6139,7 @@
           <a:p>
             <a:fld id="{055BDE2E-7167-1944-9FEE-E44668D91CB6}" type="slidenum">
               <a:rPr lang="en-US" smtClean="0"/>
-              <a:t>5</a:t>
+              <a:t>6</a:t>
             </a:fld>
             <a:endParaRPr lang="en-US"/>
           </a:p>
